--- a/Stata Workshop 09-09.pptx
+++ b/Stata Workshop 09-09.pptx
@@ -871,6 +871,96 @@
               <a:pPr>
                 <a:defRPr/>
               </a:pPr>
+              <a:t>12</a:t>
+            </a:fld>
+            <a:endParaRPr lang="en-US"/>
+          </a:p>
+        </p:txBody>
+      </p:sp>
+    </p:spTree>
+    <p:extLst>
+      <p:ext uri="{BB962C8B-B14F-4D97-AF65-F5344CB8AC3E}">
+        <p14:creationId xmlns:p14="http://schemas.microsoft.com/office/powerpoint/2010/main" val="3444644691"/>
+      </p:ext>
+    </p:extLst>
+  </p:cSld>
+  <p:clrMapOvr>
+    <a:masterClrMapping/>
+  </p:clrMapOvr>
+</p:notes>
+</file>
+
+<file path=ppt/notesSlides/notesSlide11.xml><?xml version="1.0" encoding="utf-8"?>
+<p:notes xmlns:a="http://schemas.openxmlformats.org/drawingml/2006/main" xmlns:r="http://schemas.openxmlformats.org/officeDocument/2006/relationships" xmlns:p="http://schemas.openxmlformats.org/presentationml/2006/main">
+  <p:cSld>
+    <p:spTree>
+      <p:nvGrpSpPr>
+        <p:cNvPr id="1" name=""/>
+        <p:cNvGrpSpPr/>
+        <p:nvPr/>
+      </p:nvGrpSpPr>
+      <p:grpSpPr>
+        <a:xfrm>
+          <a:off x="0" y="0"/>
+          <a:ext cx="0" cy="0"/>
+          <a:chOff x="0" y="0"/>
+          <a:chExt cx="0" cy="0"/>
+        </a:xfrm>
+      </p:grpSpPr>
+      <p:sp>
+        <p:nvSpPr>
+          <p:cNvPr id="2" name="Slide Image Placeholder 1"/>
+          <p:cNvSpPr>
+            <a:spLocks noGrp="1" noRot="1" noChangeAspect="1"/>
+          </p:cNvSpPr>
+          <p:nvPr>
+            <p:ph type="sldImg"/>
+          </p:nvPr>
+        </p:nvSpPr>
+        <p:spPr/>
+      </p:sp>
+      <p:sp>
+        <p:nvSpPr>
+          <p:cNvPr id="3" name="Notes Placeholder 2"/>
+          <p:cNvSpPr>
+            <a:spLocks noGrp="1"/>
+          </p:cNvSpPr>
+          <p:nvPr>
+            <p:ph type="body" idx="1"/>
+          </p:nvPr>
+        </p:nvSpPr>
+        <p:spPr/>
+        <p:txBody>
+          <a:bodyPr/>
+          <a:lstStyle/>
+          <a:p>
+            <a:endParaRPr lang="en-US" dirty="0"/>
+          </a:p>
+        </p:txBody>
+      </p:sp>
+      <p:sp>
+        <p:nvSpPr>
+          <p:cNvPr id="4" name="Slide Number Placeholder 3"/>
+          <p:cNvSpPr>
+            <a:spLocks noGrp="1"/>
+          </p:cNvSpPr>
+          <p:nvPr>
+            <p:ph type="sldNum" sz="quarter" idx="5"/>
+          </p:nvPr>
+        </p:nvSpPr>
+        <p:spPr/>
+        <p:txBody>
+          <a:bodyPr/>
+          <a:lstStyle/>
+          <a:p>
+            <a:pPr>
+              <a:defRPr/>
+            </a:pPr>
+            <a:fld id="{6E074355-CE0D-4C68-A6CB-C364ED71B33B}" type="slidenum">
+              <a:rPr lang="en-US" smtClean="0"/>
+              <a:pPr>
+                <a:defRPr/>
+              </a:pPr>
               <a:t>13</a:t>
             </a:fld>
             <a:endParaRPr lang="en-US"/>
@@ -890,7 +980,7 @@
 </p:notes>
 </file>
 
-<file path=ppt/notesSlides/notesSlide11.xml><?xml version="1.0" encoding="utf-8"?>
+<file path=ppt/notesSlides/notesSlide12.xml><?xml version="1.0" encoding="utf-8"?>
 <p:notes xmlns:a="http://schemas.openxmlformats.org/drawingml/2006/main" xmlns:r="http://schemas.openxmlformats.org/officeDocument/2006/relationships" xmlns:p="http://schemas.openxmlformats.org/presentationml/2006/main">
   <p:cSld>
     <p:spTree>
@@ -1051,7 +1141,7 @@
               <a:pPr>
                 <a:defRPr/>
               </a:pPr>
-              <a:t>5</a:t>
+              <a:t>4</a:t>
             </a:fld>
             <a:endParaRPr lang="en-US"/>
           </a:p>
@@ -1060,7 +1150,7 @@
     </p:spTree>
     <p:extLst>
       <p:ext uri="{BB962C8B-B14F-4D97-AF65-F5344CB8AC3E}">
-        <p14:creationId xmlns:p14="http://schemas.microsoft.com/office/powerpoint/2010/main" val="5219609"/>
+        <p14:creationId xmlns:p14="http://schemas.microsoft.com/office/powerpoint/2010/main" val="1765639283"/>
       </p:ext>
     </p:extLst>
   </p:cSld>
@@ -1141,7 +1231,7 @@
               <a:pPr>
                 <a:defRPr/>
               </a:pPr>
-              <a:t>6</a:t>
+              <a:t>5</a:t>
             </a:fld>
             <a:endParaRPr lang="en-US"/>
           </a:p>
@@ -1150,7 +1240,7 @@
     </p:spTree>
     <p:extLst>
       <p:ext uri="{BB962C8B-B14F-4D97-AF65-F5344CB8AC3E}">
-        <p14:creationId xmlns:p14="http://schemas.microsoft.com/office/powerpoint/2010/main" val="4222384631"/>
+        <p14:creationId xmlns:p14="http://schemas.microsoft.com/office/powerpoint/2010/main" val="5219609"/>
       </p:ext>
     </p:extLst>
   </p:cSld>
@@ -1231,7 +1321,7 @@
               <a:pPr>
                 <a:defRPr/>
               </a:pPr>
-              <a:t>7</a:t>
+              <a:t>6</a:t>
             </a:fld>
             <a:endParaRPr lang="en-US"/>
           </a:p>
@@ -1240,7 +1330,7 @@
     </p:spTree>
     <p:extLst>
       <p:ext uri="{BB962C8B-B14F-4D97-AF65-F5344CB8AC3E}">
-        <p14:creationId xmlns:p14="http://schemas.microsoft.com/office/powerpoint/2010/main" val="1035539377"/>
+        <p14:creationId xmlns:p14="http://schemas.microsoft.com/office/powerpoint/2010/main" val="4222384631"/>
       </p:ext>
     </p:extLst>
   </p:cSld>
@@ -1321,7 +1411,7 @@
               <a:pPr>
                 <a:defRPr/>
               </a:pPr>
-              <a:t>8</a:t>
+              <a:t>7</a:t>
             </a:fld>
             <a:endParaRPr lang="en-US"/>
           </a:p>
@@ -1330,7 +1420,7 @@
     </p:spTree>
     <p:extLst>
       <p:ext uri="{BB962C8B-B14F-4D97-AF65-F5344CB8AC3E}">
-        <p14:creationId xmlns:p14="http://schemas.microsoft.com/office/powerpoint/2010/main" val="2204824881"/>
+        <p14:creationId xmlns:p14="http://schemas.microsoft.com/office/powerpoint/2010/main" val="1035539377"/>
       </p:ext>
     </p:extLst>
   </p:cSld>
@@ -1411,7 +1501,7 @@
               <a:pPr>
                 <a:defRPr/>
               </a:pPr>
-              <a:t>9</a:t>
+              <a:t>8</a:t>
             </a:fld>
             <a:endParaRPr lang="en-US"/>
           </a:p>
@@ -1420,7 +1510,7 @@
     </p:spTree>
     <p:extLst>
       <p:ext uri="{BB962C8B-B14F-4D97-AF65-F5344CB8AC3E}">
-        <p14:creationId xmlns:p14="http://schemas.microsoft.com/office/powerpoint/2010/main" val="669797395"/>
+        <p14:creationId xmlns:p14="http://schemas.microsoft.com/office/powerpoint/2010/main" val="2204824881"/>
       </p:ext>
     </p:extLst>
   </p:cSld>
@@ -1501,7 +1591,7 @@
               <a:pPr>
                 <a:defRPr/>
               </a:pPr>
-              <a:t>10</a:t>
+              <a:t>9</a:t>
             </a:fld>
             <a:endParaRPr lang="en-US"/>
           </a:p>
@@ -1510,7 +1600,7 @@
     </p:spTree>
     <p:extLst>
       <p:ext uri="{BB962C8B-B14F-4D97-AF65-F5344CB8AC3E}">
-        <p14:creationId xmlns:p14="http://schemas.microsoft.com/office/powerpoint/2010/main" val="1017051074"/>
+        <p14:creationId xmlns:p14="http://schemas.microsoft.com/office/powerpoint/2010/main" val="669797395"/>
       </p:ext>
     </p:extLst>
   </p:cSld>
@@ -1591,7 +1681,7 @@
               <a:pPr>
                 <a:defRPr/>
               </a:pPr>
-              <a:t>11</a:t>
+              <a:t>10</a:t>
             </a:fld>
             <a:endParaRPr lang="en-US"/>
           </a:p>
@@ -1600,7 +1690,7 @@
     </p:spTree>
     <p:extLst>
       <p:ext uri="{BB962C8B-B14F-4D97-AF65-F5344CB8AC3E}">
-        <p14:creationId xmlns:p14="http://schemas.microsoft.com/office/powerpoint/2010/main" val="3029038103"/>
+        <p14:creationId xmlns:p14="http://schemas.microsoft.com/office/powerpoint/2010/main" val="1017051074"/>
       </p:ext>
     </p:extLst>
   </p:cSld>
@@ -1681,7 +1771,7 @@
               <a:pPr>
                 <a:defRPr/>
               </a:pPr>
-              <a:t>12</a:t>
+              <a:t>11</a:t>
             </a:fld>
             <a:endParaRPr lang="en-US"/>
           </a:p>
@@ -1690,7 +1780,7 @@
     </p:spTree>
     <p:extLst>
       <p:ext uri="{BB962C8B-B14F-4D97-AF65-F5344CB8AC3E}">
-        <p14:creationId xmlns:p14="http://schemas.microsoft.com/office/powerpoint/2010/main" val="3444644691"/>
+        <p14:creationId xmlns:p14="http://schemas.microsoft.com/office/powerpoint/2010/main" val="3029038103"/>
       </p:ext>
     </p:extLst>
   </p:cSld>
@@ -7655,7 +7745,6 @@
               </a:rPr>
               <a:t>Say the class/subject upfront!</a:t>
             </a:r>
-            <a:endParaRPr lang="en-US" i="1" dirty="0"/>
           </a:p>
         </p:txBody>
       </p:sp>
@@ -7914,7 +8003,7 @@
         </p:spPr>
         <p:txBody>
           <a:bodyPr>
-            <a:normAutofit/>
+            <a:normAutofit fontScale="92500" lnSpcReduction="10000"/>
           </a:bodyPr>
           <a:lstStyle/>
           <a:p>
@@ -7995,6 +8084,35 @@
               <a:rPr lang="en-US" sz="1800" dirty="0"/>
               <a:t>7. Q&amp;A</a:t>
             </a:r>
+          </a:p>
+          <a:p>
+            <a:pPr>
+              <a:buFont typeface="+mj-lt"/>
+              <a:buAutoNum type="arabicPeriod"/>
+            </a:pPr>
+            <a:endParaRPr lang="en-US" sz="1800" dirty="0"/>
+          </a:p>
+          <a:p>
+            <a:pPr marL="0" indent="0">
+              <a:buNone/>
+            </a:pPr>
+            <a:r>
+              <a:rPr lang="en-US" sz="1800" dirty="0"/>
+              <a:t>Contents at: https://</a:t>
+            </a:r>
+            <a:r>
+              <a:rPr lang="en-US" sz="1800" dirty="0" err="1"/>
+              <a:t>github.com</a:t>
+            </a:r>
+            <a:r>
+              <a:rPr lang="en-US" sz="1800" dirty="0"/>
+              <a:t>/alf10087/</a:t>
+            </a:r>
+            <a:r>
+              <a:rPr lang="en-US" sz="1800" dirty="0" err="1"/>
+              <a:t>stata_workshop</a:t>
+            </a:r>
+            <a:endParaRPr lang="en-US" sz="1800" dirty="0"/>
           </a:p>
           <a:p>
             <a:endParaRPr lang="en-US" sz="2000" dirty="0"/>

--- a/Stata Workshop 09-09.pptx
+++ b/Stata Workshop 09-09.pptx
@@ -7,7 +7,7 @@
     <p:sldMasterId id="2147483669" r:id="rId3"/>
   </p:sldMasterIdLst>
   <p:notesMasterIdLst>
-    <p:notesMasterId r:id="rId18"/>
+    <p:notesMasterId r:id="rId21"/>
   </p:notesMasterIdLst>
   <p:sldIdLst>
     <p:sldId id="713" r:id="rId4"/>
@@ -24,6 +24,9 @@
     <p:sldId id="725" r:id="rId15"/>
     <p:sldId id="726" r:id="rId16"/>
     <p:sldId id="729" r:id="rId17"/>
+    <p:sldId id="730" r:id="rId18"/>
+    <p:sldId id="731" r:id="rId19"/>
+    <p:sldId id="732" r:id="rId20"/>
   </p:sldIdLst>
   <p:sldSz cx="9144000" cy="5143500" type="screen16x9"/>
   <p:notesSz cx="6858000" cy="9313863"/>
@@ -171,6 +174,9 @@
             <p14:sldId id="725"/>
             <p14:sldId id="726"/>
             <p14:sldId id="729"/>
+            <p14:sldId id="730"/>
+            <p14:sldId id="731"/>
+            <p14:sldId id="732"/>
           </p14:sldIdLst>
         </p14:section>
       </p14:sectionLst>
@@ -191,59 +197,6 @@
     </p:ext>
   </p:extLst>
 </p:presentation>
-</file>
-
-<file path=ppt/changesInfos/changesInfo1.xml><?xml version="1.0" encoding="utf-8"?>
-<pc:chgInfo xmlns:a="http://schemas.openxmlformats.org/drawingml/2006/main" xmlns:r="http://schemas.openxmlformats.org/officeDocument/2006/relationships" xmlns:ac="http://schemas.microsoft.com/office/drawing/2013/main/command" xmlns:pc="http://schemas.microsoft.com/office/powerpoint/2013/main/command">
-  <pc:docChgLst>
-    <pc:chgData clId="Web-{DF61BC03-C347-4B76-B102-C0B229770122}"/>
-    <pc:docChg chg="modSld">
-      <pc:chgData name="" userId="" providerId="" clId="Web-{DF61BC03-C347-4B76-B102-C0B229770122}" dt="2018-03-19T17:40:31.207" v="3"/>
-      <pc:docMkLst>
-        <pc:docMk/>
-      </pc:docMkLst>
-      <pc:sldChg chg="modSp">
-        <pc:chgData name="" userId="" providerId="" clId="Web-{DF61BC03-C347-4B76-B102-C0B229770122}" dt="2018-03-19T17:40:31.207" v="3"/>
-        <pc:sldMkLst>
-          <pc:docMk/>
-          <pc:sldMk cId="247584020" sldId="711"/>
-        </pc:sldMkLst>
-        <pc:spChg chg="mod">
-          <ac:chgData name="" userId="" providerId="" clId="Web-{DF61BC03-C347-4B76-B102-C0B229770122}" dt="2018-03-19T17:40:31.207" v="3"/>
-          <ac:spMkLst>
-            <pc:docMk/>
-            <pc:sldMk cId="247584020" sldId="711"/>
-            <ac:spMk id="12" creationId="{00000000-0000-0000-0000-000000000000}"/>
-          </ac:spMkLst>
-        </pc:spChg>
-      </pc:sldChg>
-    </pc:docChg>
-  </pc:docChgLst>
-  <pc:docChgLst>
-    <pc:chgData clId="Web-{6F3EA92A-6327-4760-B8BE-E7EAE48D3FC4}"/>
-    <pc:docChg chg="modSld">
-      <pc:chgData name="" userId="" providerId="" clId="Web-{6F3EA92A-6327-4760-B8BE-E7EAE48D3FC4}" dt="2018-03-19T17:41:55.319" v="2"/>
-      <pc:docMkLst>
-        <pc:docMk/>
-      </pc:docMkLst>
-      <pc:sldChg chg="modSp">
-        <pc:chgData name="" userId="" providerId="" clId="Web-{6F3EA92A-6327-4760-B8BE-E7EAE48D3FC4}" dt="2018-03-19T17:41:55.319" v="2"/>
-        <pc:sldMkLst>
-          <pc:docMk/>
-          <pc:sldMk cId="247584020" sldId="711"/>
-        </pc:sldMkLst>
-        <pc:spChg chg="mod">
-          <ac:chgData name="" userId="" providerId="" clId="Web-{6F3EA92A-6327-4760-B8BE-E7EAE48D3FC4}" dt="2018-03-19T17:41:55.319" v="2"/>
-          <ac:spMkLst>
-            <pc:docMk/>
-            <pc:sldMk cId="247584020" sldId="711"/>
-            <ac:spMk id="12" creationId="{00000000-0000-0000-0000-000000000000}"/>
-          </ac:spMkLst>
-        </pc:spChg>
-      </pc:sldChg>
-    </pc:docChg>
-  </pc:docChgLst>
-</pc:chgInfo>
 </file>
 
 <file path=ppt/notesMasters/notesMaster1.xml><?xml version="1.0" encoding="utf-8"?>
@@ -368,7 +321,7 @@
               <a:pPr>
                 <a:defRPr/>
               </a:pPr>
-              <a:t>9/9/22</a:t>
+              <a:t>9/16/22</a:t>
             </a:fld>
             <a:endParaRPr lang="en-US"/>
           </a:p>
@@ -871,96 +824,6 @@
               <a:pPr>
                 <a:defRPr/>
               </a:pPr>
-              <a:t>12</a:t>
-            </a:fld>
-            <a:endParaRPr lang="en-US"/>
-          </a:p>
-        </p:txBody>
-      </p:sp>
-    </p:spTree>
-    <p:extLst>
-      <p:ext uri="{BB962C8B-B14F-4D97-AF65-F5344CB8AC3E}">
-        <p14:creationId xmlns:p14="http://schemas.microsoft.com/office/powerpoint/2010/main" val="3444644691"/>
-      </p:ext>
-    </p:extLst>
-  </p:cSld>
-  <p:clrMapOvr>
-    <a:masterClrMapping/>
-  </p:clrMapOvr>
-</p:notes>
-</file>
-
-<file path=ppt/notesSlides/notesSlide11.xml><?xml version="1.0" encoding="utf-8"?>
-<p:notes xmlns:a="http://schemas.openxmlformats.org/drawingml/2006/main" xmlns:r="http://schemas.openxmlformats.org/officeDocument/2006/relationships" xmlns:p="http://schemas.openxmlformats.org/presentationml/2006/main">
-  <p:cSld>
-    <p:spTree>
-      <p:nvGrpSpPr>
-        <p:cNvPr id="1" name=""/>
-        <p:cNvGrpSpPr/>
-        <p:nvPr/>
-      </p:nvGrpSpPr>
-      <p:grpSpPr>
-        <a:xfrm>
-          <a:off x="0" y="0"/>
-          <a:ext cx="0" cy="0"/>
-          <a:chOff x="0" y="0"/>
-          <a:chExt cx="0" cy="0"/>
-        </a:xfrm>
-      </p:grpSpPr>
-      <p:sp>
-        <p:nvSpPr>
-          <p:cNvPr id="2" name="Slide Image Placeholder 1"/>
-          <p:cNvSpPr>
-            <a:spLocks noGrp="1" noRot="1" noChangeAspect="1"/>
-          </p:cNvSpPr>
-          <p:nvPr>
-            <p:ph type="sldImg"/>
-          </p:nvPr>
-        </p:nvSpPr>
-        <p:spPr/>
-      </p:sp>
-      <p:sp>
-        <p:nvSpPr>
-          <p:cNvPr id="3" name="Notes Placeholder 2"/>
-          <p:cNvSpPr>
-            <a:spLocks noGrp="1"/>
-          </p:cNvSpPr>
-          <p:nvPr>
-            <p:ph type="body" idx="1"/>
-          </p:nvPr>
-        </p:nvSpPr>
-        <p:spPr/>
-        <p:txBody>
-          <a:bodyPr/>
-          <a:lstStyle/>
-          <a:p>
-            <a:endParaRPr lang="en-US" dirty="0"/>
-          </a:p>
-        </p:txBody>
-      </p:sp>
-      <p:sp>
-        <p:nvSpPr>
-          <p:cNvPr id="4" name="Slide Number Placeholder 3"/>
-          <p:cNvSpPr>
-            <a:spLocks noGrp="1"/>
-          </p:cNvSpPr>
-          <p:nvPr>
-            <p:ph type="sldNum" sz="quarter" idx="5"/>
-          </p:nvPr>
-        </p:nvSpPr>
-        <p:spPr/>
-        <p:txBody>
-          <a:bodyPr/>
-          <a:lstStyle/>
-          <a:p>
-            <a:pPr>
-              <a:defRPr/>
-            </a:pPr>
-            <a:fld id="{6E074355-CE0D-4C68-A6CB-C364ED71B33B}" type="slidenum">
-              <a:rPr lang="en-US" smtClean="0"/>
-              <a:pPr>
-                <a:defRPr/>
-              </a:pPr>
               <a:t>13</a:t>
             </a:fld>
             <a:endParaRPr lang="en-US"/>
@@ -971,96 +834,6 @@
     <p:extLst>
       <p:ext uri="{BB962C8B-B14F-4D97-AF65-F5344CB8AC3E}">
         <p14:creationId xmlns:p14="http://schemas.microsoft.com/office/powerpoint/2010/main" val="4098851570"/>
-      </p:ext>
-    </p:extLst>
-  </p:cSld>
-  <p:clrMapOvr>
-    <a:masterClrMapping/>
-  </p:clrMapOvr>
-</p:notes>
-</file>
-
-<file path=ppt/notesSlides/notesSlide12.xml><?xml version="1.0" encoding="utf-8"?>
-<p:notes xmlns:a="http://schemas.openxmlformats.org/drawingml/2006/main" xmlns:r="http://schemas.openxmlformats.org/officeDocument/2006/relationships" xmlns:p="http://schemas.openxmlformats.org/presentationml/2006/main">
-  <p:cSld>
-    <p:spTree>
-      <p:nvGrpSpPr>
-        <p:cNvPr id="1" name=""/>
-        <p:cNvGrpSpPr/>
-        <p:nvPr/>
-      </p:nvGrpSpPr>
-      <p:grpSpPr>
-        <a:xfrm>
-          <a:off x="0" y="0"/>
-          <a:ext cx="0" cy="0"/>
-          <a:chOff x="0" y="0"/>
-          <a:chExt cx="0" cy="0"/>
-        </a:xfrm>
-      </p:grpSpPr>
-      <p:sp>
-        <p:nvSpPr>
-          <p:cNvPr id="2" name="Slide Image Placeholder 1"/>
-          <p:cNvSpPr>
-            <a:spLocks noGrp="1" noRot="1" noChangeAspect="1"/>
-          </p:cNvSpPr>
-          <p:nvPr>
-            <p:ph type="sldImg"/>
-          </p:nvPr>
-        </p:nvSpPr>
-        <p:spPr/>
-      </p:sp>
-      <p:sp>
-        <p:nvSpPr>
-          <p:cNvPr id="3" name="Notes Placeholder 2"/>
-          <p:cNvSpPr>
-            <a:spLocks noGrp="1"/>
-          </p:cNvSpPr>
-          <p:nvPr>
-            <p:ph type="body" idx="1"/>
-          </p:nvPr>
-        </p:nvSpPr>
-        <p:spPr/>
-        <p:txBody>
-          <a:bodyPr/>
-          <a:lstStyle/>
-          <a:p>
-            <a:endParaRPr lang="en-US" dirty="0"/>
-          </a:p>
-        </p:txBody>
-      </p:sp>
-      <p:sp>
-        <p:nvSpPr>
-          <p:cNvPr id="4" name="Slide Number Placeholder 3"/>
-          <p:cNvSpPr>
-            <a:spLocks noGrp="1"/>
-          </p:cNvSpPr>
-          <p:nvPr>
-            <p:ph type="sldNum" sz="quarter" idx="5"/>
-          </p:nvPr>
-        </p:nvSpPr>
-        <p:spPr/>
-        <p:txBody>
-          <a:bodyPr/>
-          <a:lstStyle/>
-          <a:p>
-            <a:pPr>
-              <a:defRPr/>
-            </a:pPr>
-            <a:fld id="{6E074355-CE0D-4C68-A6CB-C364ED71B33B}" type="slidenum">
-              <a:rPr lang="en-US" smtClean="0"/>
-              <a:pPr>
-                <a:defRPr/>
-              </a:pPr>
-              <a:t>14</a:t>
-            </a:fld>
-            <a:endParaRPr lang="en-US"/>
-          </a:p>
-        </p:txBody>
-      </p:sp>
-    </p:spTree>
-    <p:extLst>
-      <p:ext uri="{BB962C8B-B14F-4D97-AF65-F5344CB8AC3E}">
-        <p14:creationId xmlns:p14="http://schemas.microsoft.com/office/powerpoint/2010/main" val="3097316777"/>
       </p:ext>
     </p:extLst>
   </p:cSld>
@@ -1141,7 +914,7 @@
               <a:pPr>
                 <a:defRPr/>
               </a:pPr>
-              <a:t>4</a:t>
+              <a:t>5</a:t>
             </a:fld>
             <a:endParaRPr lang="en-US"/>
           </a:p>
@@ -1150,7 +923,7 @@
     </p:spTree>
     <p:extLst>
       <p:ext uri="{BB962C8B-B14F-4D97-AF65-F5344CB8AC3E}">
-        <p14:creationId xmlns:p14="http://schemas.microsoft.com/office/powerpoint/2010/main" val="1765639283"/>
+        <p14:creationId xmlns:p14="http://schemas.microsoft.com/office/powerpoint/2010/main" val="5219609"/>
       </p:ext>
     </p:extLst>
   </p:cSld>
@@ -1231,7 +1004,7 @@
               <a:pPr>
                 <a:defRPr/>
               </a:pPr>
-              <a:t>5</a:t>
+              <a:t>6</a:t>
             </a:fld>
             <a:endParaRPr lang="en-US"/>
           </a:p>
@@ -1240,7 +1013,7 @@
     </p:spTree>
     <p:extLst>
       <p:ext uri="{BB962C8B-B14F-4D97-AF65-F5344CB8AC3E}">
-        <p14:creationId xmlns:p14="http://schemas.microsoft.com/office/powerpoint/2010/main" val="5219609"/>
+        <p14:creationId xmlns:p14="http://schemas.microsoft.com/office/powerpoint/2010/main" val="4222384631"/>
       </p:ext>
     </p:extLst>
   </p:cSld>
@@ -1321,7 +1094,7 @@
               <a:pPr>
                 <a:defRPr/>
               </a:pPr>
-              <a:t>6</a:t>
+              <a:t>7</a:t>
             </a:fld>
             <a:endParaRPr lang="en-US"/>
           </a:p>
@@ -1330,7 +1103,7 @@
     </p:spTree>
     <p:extLst>
       <p:ext uri="{BB962C8B-B14F-4D97-AF65-F5344CB8AC3E}">
-        <p14:creationId xmlns:p14="http://schemas.microsoft.com/office/powerpoint/2010/main" val="4222384631"/>
+        <p14:creationId xmlns:p14="http://schemas.microsoft.com/office/powerpoint/2010/main" val="1035539377"/>
       </p:ext>
     </p:extLst>
   </p:cSld>
@@ -1411,7 +1184,7 @@
               <a:pPr>
                 <a:defRPr/>
               </a:pPr>
-              <a:t>7</a:t>
+              <a:t>8</a:t>
             </a:fld>
             <a:endParaRPr lang="en-US"/>
           </a:p>
@@ -1420,7 +1193,7 @@
     </p:spTree>
     <p:extLst>
       <p:ext uri="{BB962C8B-B14F-4D97-AF65-F5344CB8AC3E}">
-        <p14:creationId xmlns:p14="http://schemas.microsoft.com/office/powerpoint/2010/main" val="1035539377"/>
+        <p14:creationId xmlns:p14="http://schemas.microsoft.com/office/powerpoint/2010/main" val="2204824881"/>
       </p:ext>
     </p:extLst>
   </p:cSld>
@@ -1501,7 +1274,7 @@
               <a:pPr>
                 <a:defRPr/>
               </a:pPr>
-              <a:t>8</a:t>
+              <a:t>9</a:t>
             </a:fld>
             <a:endParaRPr lang="en-US"/>
           </a:p>
@@ -1510,7 +1283,7 @@
     </p:spTree>
     <p:extLst>
       <p:ext uri="{BB962C8B-B14F-4D97-AF65-F5344CB8AC3E}">
-        <p14:creationId xmlns:p14="http://schemas.microsoft.com/office/powerpoint/2010/main" val="2204824881"/>
+        <p14:creationId xmlns:p14="http://schemas.microsoft.com/office/powerpoint/2010/main" val="669797395"/>
       </p:ext>
     </p:extLst>
   </p:cSld>
@@ -1591,7 +1364,7 @@
               <a:pPr>
                 <a:defRPr/>
               </a:pPr>
-              <a:t>9</a:t>
+              <a:t>10</a:t>
             </a:fld>
             <a:endParaRPr lang="en-US"/>
           </a:p>
@@ -1600,7 +1373,7 @@
     </p:spTree>
     <p:extLst>
       <p:ext uri="{BB962C8B-B14F-4D97-AF65-F5344CB8AC3E}">
-        <p14:creationId xmlns:p14="http://schemas.microsoft.com/office/powerpoint/2010/main" val="669797395"/>
+        <p14:creationId xmlns:p14="http://schemas.microsoft.com/office/powerpoint/2010/main" val="1017051074"/>
       </p:ext>
     </p:extLst>
   </p:cSld>
@@ -1681,7 +1454,7 @@
               <a:pPr>
                 <a:defRPr/>
               </a:pPr>
-              <a:t>10</a:t>
+              <a:t>11</a:t>
             </a:fld>
             <a:endParaRPr lang="en-US"/>
           </a:p>
@@ -1690,7 +1463,7 @@
     </p:spTree>
     <p:extLst>
       <p:ext uri="{BB962C8B-B14F-4D97-AF65-F5344CB8AC3E}">
-        <p14:creationId xmlns:p14="http://schemas.microsoft.com/office/powerpoint/2010/main" val="1017051074"/>
+        <p14:creationId xmlns:p14="http://schemas.microsoft.com/office/powerpoint/2010/main" val="3029038103"/>
       </p:ext>
     </p:extLst>
   </p:cSld>
@@ -1771,7 +1544,7 @@
               <a:pPr>
                 <a:defRPr/>
               </a:pPr>
-              <a:t>11</a:t>
+              <a:t>12</a:t>
             </a:fld>
             <a:endParaRPr lang="en-US"/>
           </a:p>
@@ -1780,7 +1553,7 @@
     </p:spTree>
     <p:extLst>
       <p:ext uri="{BB962C8B-B14F-4D97-AF65-F5344CB8AC3E}">
-        <p14:creationId xmlns:p14="http://schemas.microsoft.com/office/powerpoint/2010/main" val="3029038103"/>
+        <p14:creationId xmlns:p14="http://schemas.microsoft.com/office/powerpoint/2010/main" val="3444644691"/>
       </p:ext>
     </p:extLst>
   </p:cSld>
@@ -6583,8 +6356,13 @@
             </a:pPr>
             <a:r>
               <a:rPr lang="en-US" sz="1600" i="1" dirty="0"/>
-              <a:t>merge country using economy.dta</a:t>
-            </a:r>
+              <a:t>merge country using </a:t>
+            </a:r>
+            <a:r>
+              <a:rPr lang="en-US" sz="1600" i="1" dirty="0" err="1"/>
+              <a:t>geography.dta</a:t>
+            </a:r>
+            <a:endParaRPr lang="en-US" sz="1600" i="1" dirty="0"/>
           </a:p>
           <a:p>
             <a:endParaRPr lang="en-US" sz="1200" dirty="0"/>
@@ -7409,7 +7187,13 @@
       </p:grpSpPr>
       <p:sp>
         <p:nvSpPr>
-          <p:cNvPr id="2" name="Title 1"/>
+          <p:cNvPr id="2" name="Title 1">
+            <a:extLst>
+              <a:ext uri="{FF2B5EF4-FFF2-40B4-BE49-F238E27FC236}">
+                <a16:creationId xmlns:a16="http://schemas.microsoft.com/office/drawing/2014/main" id="{B79496E3-10B1-F8BB-59F1-D1F77EA2C98B}"/>
+              </a:ext>
+            </a:extLst>
+          </p:cNvPr>
           <p:cNvSpPr>
             <a:spLocks noGrp="1"/>
           </p:cNvSpPr>
@@ -7417,9 +7201,158 @@
             <p:ph type="title"/>
           </p:nvPr>
         </p:nvSpPr>
+        <p:spPr/>
+        <p:txBody>
+          <a:bodyPr>
+            <a:normAutofit/>
+          </a:bodyPr>
+          <a:lstStyle/>
+          <a:p>
+            <a:r>
+              <a:rPr lang="en-US" sz="4000" dirty="0"/>
+              <a:t>Stata Lab</a:t>
+            </a:r>
+          </a:p>
+        </p:txBody>
+      </p:sp>
+      <p:sp>
+        <p:nvSpPr>
+          <p:cNvPr id="3" name="Content Placeholder 2">
+            <a:extLst>
+              <a:ext uri="{FF2B5EF4-FFF2-40B4-BE49-F238E27FC236}">
+                <a16:creationId xmlns:a16="http://schemas.microsoft.com/office/drawing/2014/main" id="{63CE9766-CA05-D754-4A0B-31AB644F2C50}"/>
+              </a:ext>
+            </a:extLst>
+          </p:cNvPr>
+          <p:cNvSpPr>
+            <a:spLocks noGrp="1"/>
+          </p:cNvSpPr>
+          <p:nvPr>
+            <p:ph idx="1"/>
+          </p:nvPr>
+        </p:nvSpPr>
+        <p:spPr/>
+        <p:txBody>
+          <a:bodyPr>
+            <a:normAutofit lnSpcReduction="10000"/>
+          </a:bodyPr>
+          <a:lstStyle/>
+          <a:p>
+            <a:r>
+              <a:rPr lang="en-US" sz="2000" dirty="0"/>
+              <a:t>We will use a CPS data set to study </a:t>
+            </a:r>
+            <a:r>
+              <a:rPr lang="en-US" sz="2000" dirty="0">
+                <a:hlinkClick r:id="rId2"/>
+              </a:rPr>
+              <a:t>gender pay gaps</a:t>
+            </a:r>
+            <a:r>
+              <a:rPr lang="en-US" sz="2000" dirty="0"/>
+              <a:t>.</a:t>
+            </a:r>
+          </a:p>
+          <a:p>
+            <a:r>
+              <a:rPr lang="en-US" dirty="0"/>
+              <a:t>https://</a:t>
+            </a:r>
+            <a:r>
+              <a:rPr lang="en-US" dirty="0" err="1"/>
+              <a:t>github.com</a:t>
+            </a:r>
+            <a:r>
+              <a:rPr lang="en-US" dirty="0"/>
+              <a:t>/LBJ-</a:t>
+            </a:r>
+            <a:r>
+              <a:rPr lang="en-US" dirty="0" err="1"/>
+              <a:t>SoftwareWorkshops</a:t>
+            </a:r>
+            <a:endParaRPr lang="en-US" dirty="0"/>
+          </a:p>
+          <a:p>
+            <a:r>
+              <a:rPr lang="en-US" sz="2000" dirty="0"/>
+              <a:t>Data set is from Kaggle, great resource for data.</a:t>
+            </a:r>
+          </a:p>
+          <a:p>
+            <a:r>
+              <a:rPr lang="en-US" sz="2000" dirty="0"/>
+              <a:t>You can explore the data set however you want, and run a few regressions!</a:t>
+            </a:r>
+          </a:p>
+          <a:p>
+            <a:r>
+              <a:rPr lang="en-US" sz="2000" dirty="0"/>
+              <a:t>Let’s discuss how to go about it.</a:t>
+            </a:r>
+          </a:p>
+          <a:p>
+            <a:r>
+              <a:rPr lang="en-US" sz="2000" dirty="0"/>
+              <a:t>Share with us your results.</a:t>
+            </a:r>
+          </a:p>
+          <a:p>
+            <a:r>
+              <a:rPr lang="en-US" sz="2000" dirty="0"/>
+              <a:t>I can help you build your ideas.</a:t>
+            </a:r>
+          </a:p>
+        </p:txBody>
+      </p:sp>
+    </p:spTree>
+    <p:extLst>
+      <p:ext uri="{BB962C8B-B14F-4D97-AF65-F5344CB8AC3E}">
+        <p14:creationId xmlns:p14="http://schemas.microsoft.com/office/powerpoint/2010/main" val="825098753"/>
+      </p:ext>
+    </p:extLst>
+  </p:cSld>
+  <p:clrMapOvr>
+    <a:masterClrMapping/>
+  </p:clrMapOvr>
+</p:sld>
+</file>
+
+<file path=ppt/slides/slide15.xml><?xml version="1.0" encoding="utf-8"?>
+<p:sld xmlns:a="http://schemas.openxmlformats.org/drawingml/2006/main" xmlns:r="http://schemas.openxmlformats.org/officeDocument/2006/relationships" xmlns:p="http://schemas.openxmlformats.org/presentationml/2006/main">
+  <p:cSld>
+    <p:spTree>
+      <p:nvGrpSpPr>
+        <p:cNvPr id="1" name=""/>
+        <p:cNvGrpSpPr/>
+        <p:nvPr/>
+      </p:nvGrpSpPr>
+      <p:grpSpPr>
+        <a:xfrm>
+          <a:off x="0" y="0"/>
+          <a:ext cx="0" cy="0"/>
+          <a:chOff x="0" y="0"/>
+          <a:chExt cx="0" cy="0"/>
+        </a:xfrm>
+      </p:grpSpPr>
+      <p:sp>
+        <p:nvSpPr>
+          <p:cNvPr id="2" name="Title 1">
+            <a:extLst>
+              <a:ext uri="{FF2B5EF4-FFF2-40B4-BE49-F238E27FC236}">
+                <a16:creationId xmlns:a16="http://schemas.microsoft.com/office/drawing/2014/main" id="{DC51943F-D7FD-1276-ACA4-98AFEECB8A7B}"/>
+              </a:ext>
+            </a:extLst>
+          </p:cNvPr>
+          <p:cNvSpPr>
+            <a:spLocks noGrp="1"/>
+          </p:cNvSpPr>
+          <p:nvPr>
+            <p:ph type="title"/>
+          </p:nvPr>
+        </p:nvSpPr>
         <p:spPr>
           <a:xfrm>
-            <a:off x="457200" y="514350"/>
+            <a:off x="457200" y="438150"/>
             <a:ext cx="8229600" cy="857250"/>
           </a:xfrm>
         </p:spPr>
@@ -7429,135 +7362,185 @@
           </a:bodyPr>
           <a:lstStyle/>
           <a:p>
-            <a:pPr algn="ctr"/>
-            <a:r>
-              <a:rPr lang="en-US" sz="2800" b="1" dirty="0">
-                <a:latin typeface="+mn-lt"/>
-              </a:rPr>
-              <a:t>Q&amp;A</a:t>
+            <a:r>
+              <a:rPr lang="en-US" sz="3200" dirty="0"/>
+              <a:t>Emulate Figure 1</a:t>
             </a:r>
           </a:p>
         </p:txBody>
       </p:sp>
-      <p:sp>
-        <p:nvSpPr>
-          <p:cNvPr id="5" name="Content Placeholder 4">
+      <p:pic>
+        <p:nvPicPr>
+          <p:cNvPr id="5" name="Picture 4" descr="Chart, line chart&#10;&#10;Description automatically generated">
             <a:extLst>
               <a:ext uri="{FF2B5EF4-FFF2-40B4-BE49-F238E27FC236}">
-                <a16:creationId xmlns:a16="http://schemas.microsoft.com/office/drawing/2014/main" id="{A795B760-8CAA-D749-9D78-20F6BC18028B}"/>
+                <a16:creationId xmlns:a16="http://schemas.microsoft.com/office/drawing/2014/main" id="{89794BED-158E-E2D5-048C-5A3C0F0ACB70}"/>
               </a:ext>
             </a:extLst>
           </p:cNvPr>
-          <p:cNvSpPr>
-            <a:spLocks noGrp="1"/>
-          </p:cNvSpPr>
-          <p:nvPr>
-            <p:ph idx="1"/>
-          </p:nvPr>
-        </p:nvSpPr>
+          <p:cNvPicPr>
+            <a:picLocks noChangeAspect="1"/>
+          </p:cNvPicPr>
+          <p:nvPr/>
+        </p:nvPicPr>
+        <p:blipFill>
+          <a:blip r:embed="rId2">
+            <a:extLst>
+              <a:ext uri="{28A0092B-C50C-407E-A947-70E740481C1C}">
+                <a14:useLocalDpi xmlns:a14="http://schemas.microsoft.com/office/drawing/2010/main" val="0"/>
+              </a:ext>
+            </a:extLst>
+          </a:blip>
+          <a:stretch>
+            <a:fillRect/>
+          </a:stretch>
+        </p:blipFill>
         <p:spPr>
           <a:xfrm>
-            <a:off x="457200" y="1485900"/>
-            <a:ext cx="8229600" cy="2914650"/>
+            <a:off x="1905000" y="1428750"/>
+            <a:ext cx="5121728" cy="3585210"/>
           </a:xfrm>
+          <a:prstGeom prst="rect">
+            <a:avLst/>
+          </a:prstGeom>
         </p:spPr>
-        <p:txBody>
-          <a:bodyPr>
-            <a:noAutofit/>
-          </a:bodyPr>
-          <a:lstStyle/>
-          <a:p>
-            <a:pPr marL="0" indent="0">
-              <a:buNone/>
-            </a:pPr>
-            <a:r>
-              <a:rPr lang="en-US" sz="1600" b="1" dirty="0"/>
-              <a:t>Office Hours </a:t>
-            </a:r>
-            <a:r>
-              <a:rPr lang="en-US" sz="1600" dirty="0"/>
-              <a:t>for technical, software or installation assistance (or anything else):</a:t>
-            </a:r>
-          </a:p>
-          <a:p>
-            <a:pPr marL="0" indent="0">
-              <a:buNone/>
-            </a:pPr>
-            <a:r>
-              <a:rPr lang="en-US" sz="1600" dirty="0"/>
-              <a:t>	Monday 10-11:30am; Thursday 2-3:30pm, in </a:t>
-            </a:r>
-            <a:r>
-              <a:rPr lang="en-US" sz="1600" b="1" dirty="0"/>
-              <a:t>SRH 3.264. </a:t>
-            </a:r>
-          </a:p>
-          <a:p>
-            <a:pPr marL="0" indent="0">
-              <a:buNone/>
-            </a:pPr>
-            <a:endParaRPr lang="en-US" sz="1600" b="1" dirty="0"/>
-          </a:p>
-          <a:p>
-            <a:pPr marL="0" indent="0" algn="ctr">
-              <a:buNone/>
-            </a:pPr>
-            <a:r>
-              <a:rPr lang="en-US" sz="1600" b="1" i="0" u="none" strike="noStrike" dirty="0">
-                <a:solidFill>
-                  <a:srgbClr val="000000"/>
-                </a:solidFill>
-                <a:effectLst/>
-              </a:rPr>
-              <a:t>Contact: </a:t>
-            </a:r>
-            <a:r>
-              <a:rPr lang="en-US" sz="1600" dirty="0">
-                <a:solidFill>
-                  <a:srgbClr val="000000"/>
-                </a:solidFill>
-                <a:hlinkClick r:id="rId3"/>
-              </a:rPr>
-              <a:t>arojas@austin.utexas.edu</a:t>
-            </a:r>
-            <a:r>
-              <a:rPr lang="en-US" sz="1600" dirty="0">
-                <a:solidFill>
-                  <a:srgbClr val="000000"/>
-                </a:solidFill>
-              </a:rPr>
-              <a:t> | (512-552-9860)</a:t>
-            </a:r>
-          </a:p>
-          <a:p>
-            <a:pPr marL="0" indent="0" algn="ctr">
-              <a:buNone/>
-            </a:pPr>
-            <a:r>
-              <a:rPr lang="en-US" sz="1600" i="1" dirty="0">
-                <a:solidFill>
-                  <a:srgbClr val="000000"/>
-                </a:solidFill>
-              </a:rPr>
-              <a:t>Say the class/subject upfront!</a:t>
-            </a:r>
-            <a:endParaRPr lang="en-US" sz="1600" i="1" dirty="0"/>
-          </a:p>
-          <a:p>
-            <a:pPr marL="0" indent="0">
-              <a:buNone/>
-            </a:pPr>
-            <a:endParaRPr lang="en-US" sz="1600" b="1" dirty="0"/>
-          </a:p>
-          <a:p>
-            <a:endParaRPr lang="en-US" sz="1600" dirty="0"/>
-          </a:p>
-        </p:txBody>
-      </p:sp>
+      </p:pic>
     </p:spTree>
     <p:extLst>
       <p:ext uri="{BB962C8B-B14F-4D97-AF65-F5344CB8AC3E}">
-        <p14:creationId xmlns:p14="http://schemas.microsoft.com/office/powerpoint/2010/main" val="3655312751"/>
+        <p14:creationId xmlns:p14="http://schemas.microsoft.com/office/powerpoint/2010/main" val="3341601680"/>
+      </p:ext>
+    </p:extLst>
+  </p:cSld>
+  <p:clrMapOvr>
+    <a:masterClrMapping/>
+  </p:clrMapOvr>
+</p:sld>
+</file>
+
+<file path=ppt/slides/slide16.xml><?xml version="1.0" encoding="utf-8"?>
+<p:sld xmlns:a="http://schemas.openxmlformats.org/drawingml/2006/main" xmlns:r="http://schemas.openxmlformats.org/officeDocument/2006/relationships" xmlns:p="http://schemas.openxmlformats.org/presentationml/2006/main">
+  <p:cSld>
+    <p:spTree>
+      <p:nvGrpSpPr>
+        <p:cNvPr id="1" name=""/>
+        <p:cNvGrpSpPr/>
+        <p:nvPr/>
+      </p:nvGrpSpPr>
+      <p:grpSpPr>
+        <a:xfrm>
+          <a:off x="0" y="0"/>
+          <a:ext cx="0" cy="0"/>
+          <a:chOff x="0" y="0"/>
+          <a:chExt cx="0" cy="0"/>
+        </a:xfrm>
+      </p:grpSpPr>
+      <p:pic>
+        <p:nvPicPr>
+          <p:cNvPr id="7" name="Picture 6" descr="Table&#10;&#10;Description automatically generated">
+            <a:extLst>
+              <a:ext uri="{FF2B5EF4-FFF2-40B4-BE49-F238E27FC236}">
+                <a16:creationId xmlns:a16="http://schemas.microsoft.com/office/drawing/2014/main" id="{1CF53D8E-5353-AE52-3397-E941BF9B27D3}"/>
+              </a:ext>
+            </a:extLst>
+          </p:cNvPr>
+          <p:cNvPicPr>
+            <a:picLocks noChangeAspect="1"/>
+          </p:cNvPicPr>
+          <p:nvPr/>
+        </p:nvPicPr>
+        <p:blipFill>
+          <a:blip r:embed="rId2">
+            <a:extLst>
+              <a:ext uri="{28A0092B-C50C-407E-A947-70E740481C1C}">
+                <a14:useLocalDpi xmlns:a14="http://schemas.microsoft.com/office/drawing/2010/main" val="0"/>
+              </a:ext>
+            </a:extLst>
+          </a:blip>
+          <a:stretch>
+            <a:fillRect/>
+          </a:stretch>
+        </p:blipFill>
+        <p:spPr>
+          <a:xfrm>
+            <a:off x="1447800" y="434003"/>
+            <a:ext cx="6019800" cy="4709497"/>
+          </a:xfrm>
+          <a:prstGeom prst="rect">
+            <a:avLst/>
+          </a:prstGeom>
+        </p:spPr>
+      </p:pic>
+    </p:spTree>
+    <p:extLst>
+      <p:ext uri="{BB962C8B-B14F-4D97-AF65-F5344CB8AC3E}">
+        <p14:creationId xmlns:p14="http://schemas.microsoft.com/office/powerpoint/2010/main" val="2307965825"/>
+      </p:ext>
+    </p:extLst>
+  </p:cSld>
+  <p:clrMapOvr>
+    <a:masterClrMapping/>
+  </p:clrMapOvr>
+</p:sld>
+</file>
+
+<file path=ppt/slides/slide17.xml><?xml version="1.0" encoding="utf-8"?>
+<p:sld xmlns:a="http://schemas.openxmlformats.org/drawingml/2006/main" xmlns:r="http://schemas.openxmlformats.org/officeDocument/2006/relationships" xmlns:p="http://schemas.openxmlformats.org/presentationml/2006/main">
+  <p:cSld>
+    <p:spTree>
+      <p:nvGrpSpPr>
+        <p:cNvPr id="1" name=""/>
+        <p:cNvGrpSpPr/>
+        <p:nvPr/>
+      </p:nvGrpSpPr>
+      <p:grpSpPr>
+        <a:xfrm>
+          <a:off x="0" y="0"/>
+          <a:ext cx="0" cy="0"/>
+          <a:chOff x="0" y="0"/>
+          <a:chExt cx="0" cy="0"/>
+        </a:xfrm>
+      </p:grpSpPr>
+      <p:pic>
+        <p:nvPicPr>
+          <p:cNvPr id="3" name="Picture 2" descr="Table&#10;&#10;Description automatically generated">
+            <a:extLst>
+              <a:ext uri="{FF2B5EF4-FFF2-40B4-BE49-F238E27FC236}">
+                <a16:creationId xmlns:a16="http://schemas.microsoft.com/office/drawing/2014/main" id="{59B3E637-0B54-E556-7CFC-C7A359C7EE9A}"/>
+              </a:ext>
+            </a:extLst>
+          </p:cNvPr>
+          <p:cNvPicPr>
+            <a:picLocks noChangeAspect="1"/>
+          </p:cNvPicPr>
+          <p:nvPr/>
+        </p:nvPicPr>
+        <p:blipFill>
+          <a:blip r:embed="rId2">
+            <a:extLst>
+              <a:ext uri="{28A0092B-C50C-407E-A947-70E740481C1C}">
+                <a14:useLocalDpi xmlns:a14="http://schemas.microsoft.com/office/drawing/2010/main" val="0"/>
+              </a:ext>
+            </a:extLst>
+          </a:blip>
+          <a:stretch>
+            <a:fillRect/>
+          </a:stretch>
+        </p:blipFill>
+        <p:spPr>
+          <a:xfrm>
+            <a:off x="1714500" y="445576"/>
+            <a:ext cx="5715000" cy="4697924"/>
+          </a:xfrm>
+          <a:prstGeom prst="rect">
+            <a:avLst/>
+          </a:prstGeom>
+        </p:spPr>
+      </p:pic>
+    </p:spTree>
+    <p:extLst>
+      <p:ext uri="{BB962C8B-B14F-4D97-AF65-F5344CB8AC3E}">
+        <p14:creationId xmlns:p14="http://schemas.microsoft.com/office/powerpoint/2010/main" val="156804512"/>
       </p:ext>
     </p:extLst>
   </p:cSld>
@@ -7633,7 +7616,7 @@
         </p:spPr>
         <p:txBody>
           <a:bodyPr>
-            <a:normAutofit fontScale="92500" lnSpcReduction="20000"/>
+            <a:normAutofit/>
           </a:bodyPr>
           <a:lstStyle/>
           <a:p>
@@ -7701,50 +7684,7 @@
               </a:rPr>
               <a:t>Fridays, from 12:15 to 1:45pm, in SRH 3.312/3.360</a:t>
             </a:r>
-          </a:p>
-          <a:p>
-            <a:pPr marL="0" indent="0" algn="ctr">
-              <a:buNone/>
-            </a:pPr>
-            <a:r>
-              <a:rPr lang="en-US" sz="1800" b="1" i="0" u="none" strike="noStrike" dirty="0">
-                <a:solidFill>
-                  <a:srgbClr val="000000"/>
-                </a:solidFill>
-                <a:effectLst/>
-              </a:rPr>
-              <a:t>Contact: </a:t>
-            </a:r>
-            <a:r>
-              <a:rPr lang="en-US" sz="1800" dirty="0">
-                <a:solidFill>
-                  <a:srgbClr val="000000"/>
-                </a:solidFill>
-                <a:hlinkClick r:id="rId2"/>
-              </a:rPr>
-              <a:t>arojas@austin.utexas.edu</a:t>
-            </a:r>
-            <a:r>
-              <a:rPr lang="en-US" sz="1800" dirty="0">
-                <a:solidFill>
-                  <a:srgbClr val="000000"/>
-                </a:solidFill>
-              </a:rPr>
-              <a:t> | (512-552-9860)</a:t>
-            </a:r>
-          </a:p>
-          <a:p>
-            <a:pPr marL="0" indent="0" algn="ctr">
-              <a:buNone/>
-            </a:pPr>
-            <a:r>
-              <a:rPr lang="en-US" sz="1800" i="1" dirty="0">
-                <a:solidFill>
-                  <a:srgbClr val="000000"/>
-                </a:solidFill>
-              </a:rPr>
-              <a:t>Say the class/subject upfront!</a:t>
-            </a:r>
+            <a:endParaRPr lang="en-US" dirty="0"/>
           </a:p>
         </p:txBody>
       </p:sp>
@@ -8003,7 +7943,7 @@
         </p:spPr>
         <p:txBody>
           <a:bodyPr>
-            <a:normAutofit fontScale="92500" lnSpcReduction="10000"/>
+            <a:normAutofit/>
           </a:bodyPr>
           <a:lstStyle/>
           <a:p>
@@ -8074,45 +8014,6 @@
               <a:rPr lang="en-US" sz="1800" dirty="0"/>
               <a:t>Advanced applications (regression, panel data)</a:t>
             </a:r>
-          </a:p>
-          <a:p>
-            <a:pPr>
-              <a:buFont typeface="+mj-lt"/>
-              <a:buAutoNum type="arabicPeriod"/>
-            </a:pPr>
-            <a:r>
-              <a:rPr lang="en-US" sz="1800" dirty="0"/>
-              <a:t>7. Q&amp;A</a:t>
-            </a:r>
-          </a:p>
-          <a:p>
-            <a:pPr>
-              <a:buFont typeface="+mj-lt"/>
-              <a:buAutoNum type="arabicPeriod"/>
-            </a:pPr>
-            <a:endParaRPr lang="en-US" sz="1800" dirty="0"/>
-          </a:p>
-          <a:p>
-            <a:pPr marL="0" indent="0">
-              <a:buNone/>
-            </a:pPr>
-            <a:r>
-              <a:rPr lang="en-US" sz="1800" dirty="0"/>
-              <a:t>Contents at: https://</a:t>
-            </a:r>
-            <a:r>
-              <a:rPr lang="en-US" sz="1800" dirty="0" err="1"/>
-              <a:t>github.com</a:t>
-            </a:r>
-            <a:r>
-              <a:rPr lang="en-US" sz="1800" dirty="0"/>
-              <a:t>/alf10087/</a:t>
-            </a:r>
-            <a:r>
-              <a:rPr lang="en-US" sz="1800" dirty="0" err="1"/>
-              <a:t>stata_workshop</a:t>
-            </a:r>
-            <a:endParaRPr lang="en-US" sz="1800" dirty="0"/>
           </a:p>
           <a:p>
             <a:endParaRPr lang="en-US" sz="2000" dirty="0"/>
@@ -8636,7 +8537,7 @@
             </a:r>
             <a:r>
               <a:rPr lang="en-US" sz="1200" dirty="0"/>
-              <a:t>, sort, create id’s by group</a:t>
+              <a:t>, create id’s, sort</a:t>
             </a:r>
           </a:p>
           <a:p>
